--- a/UML.pptx
+++ b/UML.pptx
@@ -3292,6 +3292,26 @@
                 </a:rPr>
                 <a:t>;</a:t>
               </a:r>
+              <a:endParaRPr lang="en-US" sz="1200" dirty="0">
+                <a:solidFill>
+                  <a:schemeClr val="tx1"/>
+                </a:solidFill>
+              </a:endParaRPr>
+            </a:p>
+            <a:p>
+              <a:r>
+                <a:rPr lang="en-US" sz="1200" dirty="0" smtClean="0">
+                  <a:solidFill>
+                    <a:schemeClr val="tx1"/>
+                  </a:solidFill>
+                </a:rPr>
+                <a:t>List&lt;Card&gt; attacks;</a:t>
+              </a:r>
+              <a:endParaRPr lang="en-US" sz="1200" dirty="0" smtClean="0">
+                <a:solidFill>
+                  <a:schemeClr val="tx1"/>
+                </a:solidFill>
+              </a:endParaRPr>
             </a:p>
             <a:p>
               <a:pPr algn="ctr"/>
@@ -3525,6 +3545,29 @@
                   </a:solidFill>
                 </a:rPr>
                 <a:t>;</a:t>
+              </a:r>
+              <a:br>
+                <a:rPr lang="en-US" sz="1200" dirty="0" smtClean="0">
+                  <a:solidFill>
+                    <a:schemeClr val="tx1"/>
+                  </a:solidFill>
+                </a:rPr>
+              </a:br>
+              <a:r>
+                <a:rPr lang="en-US" sz="1200" dirty="0" smtClean="0">
+                  <a:solidFill>
+                    <a:schemeClr val="tx1"/>
+                  </a:solidFill>
+                </a:rPr>
+                <a:t>List&lt;Card</a:t>
+              </a:r>
+              <a:r>
+                <a:rPr lang="en-US" sz="1200" smtClean="0">
+                  <a:solidFill>
+                    <a:schemeClr val="tx1"/>
+                  </a:solidFill>
+                </a:rPr>
+                <a:t>&gt; attacks;</a:t>
               </a:r>
               <a:endParaRPr lang="en-US" sz="1200" dirty="0">
                 <a:solidFill>
@@ -4712,29 +4755,8 @@
                     <a:schemeClr val="tx1"/>
                   </a:solidFill>
                 </a:rPr>
-                <a:t> </a:t>
-              </a:r>
-              <a:r>
-                <a:rPr lang="en-US" dirty="0" smtClean="0">
-                  <a:solidFill>
-                    <a:schemeClr val="tx1"/>
-                  </a:solidFill>
-                </a:rPr>
-                <a:t>&lt;class</a:t>
-              </a:r>
-              <a:r>
-                <a:rPr lang="en-US" dirty="0" smtClean="0">
-                  <a:solidFill>
-                    <a:schemeClr val="tx1"/>
-                  </a:solidFill>
-                </a:rPr>
-                <a:t>&gt;</a:t>
-              </a:r>
-              <a:endParaRPr lang="en-US" dirty="0" smtClean="0">
-                <a:solidFill>
-                  <a:schemeClr val="tx1"/>
-                </a:solidFill>
-              </a:endParaRPr>
+                <a:t> &lt;class&gt;</a:t>
+              </a:r>
             </a:p>
           </p:txBody>
         </p:sp>

--- a/UML.pptx
+++ b/UML.pptx
@@ -3294,7 +3294,30 @@
               </a:r>
             </a:p>
             <a:p>
-              <a:pPr algn="ctr"/>
+              <a:r>
+                <a:rPr lang="en-US" sz="1200">
+                  <a:solidFill>
+                    <a:schemeClr val="tx1"/>
+                  </a:solidFill>
+                </a:rPr>
+                <a:t>List&lt;Card&gt; </a:t>
+              </a:r>
+              <a:r>
+                <a:rPr lang="en-US" sz="1200">
+                  <a:solidFill>
+                    <a:schemeClr val="tx1"/>
+                  </a:solidFill>
+                </a:rPr>
+                <a:t>attacks</a:t>
+              </a:r>
+              <a:r>
+                <a:rPr lang="en-US" sz="1200" smtClean="0">
+                  <a:solidFill>
+                    <a:schemeClr val="tx1"/>
+                  </a:solidFill>
+                </a:rPr>
+                <a:t>;</a:t>
+              </a:r>
               <a:endParaRPr lang="en-US" dirty="0">
                 <a:solidFill>
                   <a:schemeClr val="tx1"/>
@@ -3525,6 +3548,21 @@
                   </a:solidFill>
                 </a:rPr>
                 <a:t>;</a:t>
+              </a:r>
+              <a:br>
+                <a:rPr lang="en-US" sz="1200" dirty="0" smtClean="0">
+                  <a:solidFill>
+                    <a:schemeClr val="tx1"/>
+                  </a:solidFill>
+                </a:rPr>
+              </a:br>
+              <a:r>
+                <a:rPr lang="en-US" sz="1200" dirty="0" smtClean="0">
+                  <a:solidFill>
+                    <a:schemeClr val="tx1"/>
+                  </a:solidFill>
+                </a:rPr>
+                <a:t>List&lt;Card&gt; attacks;</a:t>
               </a:r>
               <a:endParaRPr lang="en-US" sz="1200" dirty="0">
                 <a:solidFill>
@@ -4712,29 +4750,8 @@
                     <a:schemeClr val="tx1"/>
                   </a:solidFill>
                 </a:rPr>
-                <a:t> </a:t>
-              </a:r>
-              <a:r>
-                <a:rPr lang="en-US" dirty="0" smtClean="0">
-                  <a:solidFill>
-                    <a:schemeClr val="tx1"/>
-                  </a:solidFill>
-                </a:rPr>
-                <a:t>&lt;class</a:t>
-              </a:r>
-              <a:r>
-                <a:rPr lang="en-US" dirty="0" smtClean="0">
-                  <a:solidFill>
-                    <a:schemeClr val="tx1"/>
-                  </a:solidFill>
-                </a:rPr>
-                <a:t>&gt;</a:t>
-              </a:r>
-              <a:endParaRPr lang="en-US" dirty="0" smtClean="0">
-                <a:solidFill>
-                  <a:schemeClr val="tx1"/>
-                </a:solidFill>
-              </a:endParaRPr>
+                <a:t> &lt;class&gt;</a:t>
+              </a:r>
             </a:p>
           </p:txBody>
         </p:sp>

--- a/UML.pptx
+++ b/UML.pptx
@@ -243,7 +243,7 @@
           <a:p>
             <a:fld id="{32FDF788-E6AF-49CB-B1F8-71AC31FAE067}" type="datetimeFigureOut">
               <a:rPr lang="en-US" smtClean="0"/>
-              <a:t>3/26/2015</a:t>
+              <a:t>3/31/2015</a:t>
             </a:fld>
             <a:endParaRPr lang="en-US"/>
           </a:p>
@@ -413,7 +413,7 @@
           <a:p>
             <a:fld id="{32FDF788-E6AF-49CB-B1F8-71AC31FAE067}" type="datetimeFigureOut">
               <a:rPr lang="en-US" smtClean="0"/>
-              <a:t>3/26/2015</a:t>
+              <a:t>3/31/2015</a:t>
             </a:fld>
             <a:endParaRPr lang="en-US"/>
           </a:p>
@@ -593,7 +593,7 @@
           <a:p>
             <a:fld id="{32FDF788-E6AF-49CB-B1F8-71AC31FAE067}" type="datetimeFigureOut">
               <a:rPr lang="en-US" smtClean="0"/>
-              <a:t>3/26/2015</a:t>
+              <a:t>3/31/2015</a:t>
             </a:fld>
             <a:endParaRPr lang="en-US"/>
           </a:p>
@@ -763,7 +763,7 @@
           <a:p>
             <a:fld id="{32FDF788-E6AF-49CB-B1F8-71AC31FAE067}" type="datetimeFigureOut">
               <a:rPr lang="en-US" smtClean="0"/>
-              <a:t>3/26/2015</a:t>
+              <a:t>3/31/2015</a:t>
             </a:fld>
             <a:endParaRPr lang="en-US"/>
           </a:p>
@@ -1009,7 +1009,7 @@
           <a:p>
             <a:fld id="{32FDF788-E6AF-49CB-B1F8-71AC31FAE067}" type="datetimeFigureOut">
               <a:rPr lang="en-US" smtClean="0"/>
-              <a:t>3/26/2015</a:t>
+              <a:t>3/31/2015</a:t>
             </a:fld>
             <a:endParaRPr lang="en-US"/>
           </a:p>
@@ -1241,7 +1241,7 @@
           <a:p>
             <a:fld id="{32FDF788-E6AF-49CB-B1F8-71AC31FAE067}" type="datetimeFigureOut">
               <a:rPr lang="en-US" smtClean="0"/>
-              <a:t>3/26/2015</a:t>
+              <a:t>3/31/2015</a:t>
             </a:fld>
             <a:endParaRPr lang="en-US"/>
           </a:p>
@@ -1608,7 +1608,7 @@
           <a:p>
             <a:fld id="{32FDF788-E6AF-49CB-B1F8-71AC31FAE067}" type="datetimeFigureOut">
               <a:rPr lang="en-US" smtClean="0"/>
-              <a:t>3/26/2015</a:t>
+              <a:t>3/31/2015</a:t>
             </a:fld>
             <a:endParaRPr lang="en-US"/>
           </a:p>
@@ -1726,7 +1726,7 @@
           <a:p>
             <a:fld id="{32FDF788-E6AF-49CB-B1F8-71AC31FAE067}" type="datetimeFigureOut">
               <a:rPr lang="en-US" smtClean="0"/>
-              <a:t>3/26/2015</a:t>
+              <a:t>3/31/2015</a:t>
             </a:fld>
             <a:endParaRPr lang="en-US"/>
           </a:p>
@@ -1821,7 +1821,7 @@
           <a:p>
             <a:fld id="{32FDF788-E6AF-49CB-B1F8-71AC31FAE067}" type="datetimeFigureOut">
               <a:rPr lang="en-US" smtClean="0"/>
-              <a:t>3/26/2015</a:t>
+              <a:t>3/31/2015</a:t>
             </a:fld>
             <a:endParaRPr lang="en-US"/>
           </a:p>
@@ -2098,7 +2098,7 @@
           <a:p>
             <a:fld id="{32FDF788-E6AF-49CB-B1F8-71AC31FAE067}" type="datetimeFigureOut">
               <a:rPr lang="en-US" smtClean="0"/>
-              <a:t>3/26/2015</a:t>
+              <a:t>3/31/2015</a:t>
             </a:fld>
             <a:endParaRPr lang="en-US"/>
           </a:p>
@@ -2351,7 +2351,7 @@
           <a:p>
             <a:fld id="{32FDF788-E6AF-49CB-B1F8-71AC31FAE067}" type="datetimeFigureOut">
               <a:rPr lang="en-US" smtClean="0"/>
-              <a:t>3/26/2015</a:t>
+              <a:t>3/31/2015</a:t>
             </a:fld>
             <a:endParaRPr lang="en-US"/>
           </a:p>
@@ -2564,7 +2564,7 @@
           <a:p>
             <a:fld id="{32FDF788-E6AF-49CB-B1F8-71AC31FAE067}" type="datetimeFigureOut">
               <a:rPr lang="en-US" smtClean="0"/>
-              <a:t>3/26/2015</a:t>
+              <a:t>3/31/2015</a:t>
             </a:fld>
             <a:endParaRPr lang="en-US"/>
           </a:p>
@@ -3300,15 +3300,7 @@
                     <a:schemeClr val="tx1"/>
                   </a:solidFill>
                 </a:rPr>
-                <a:t>List&lt;Card&gt; </a:t>
-              </a:r>
-              <a:r>
-                <a:rPr lang="en-US" sz="1200">
-                  <a:solidFill>
-                    <a:schemeClr val="tx1"/>
-                  </a:solidFill>
-                </a:rPr>
-                <a:t>attacks</a:t>
+                <a:t>List&lt;Card&gt; attacks</a:t>
               </a:r>
               <a:r>
                 <a:rPr lang="en-US" sz="1200" smtClean="0">
@@ -5223,6 +5215,526 @@
             <a:avLst>
               <a:gd name="adj1" fmla="val 39663"/>
             </a:avLst>
+          </a:prstGeom>
+          <a:ln>
+            <a:solidFill>
+              <a:schemeClr val="tx1"/>
+            </a:solidFill>
+          </a:ln>
+        </p:spPr>
+        <p:style>
+          <a:lnRef idx="1">
+            <a:schemeClr val="accent1"/>
+          </a:lnRef>
+          <a:fillRef idx="0">
+            <a:schemeClr val="accent1"/>
+          </a:fillRef>
+          <a:effectRef idx="0">
+            <a:schemeClr val="accent1"/>
+          </a:effectRef>
+          <a:fontRef idx="minor">
+            <a:schemeClr val="tx1"/>
+          </a:fontRef>
+        </p:style>
+      </p:cxnSp>
+      <p:grpSp>
+        <p:nvGrpSpPr>
+          <p:cNvPr id="39" name="Group 38"/>
+          <p:cNvGrpSpPr/>
+          <p:nvPr/>
+        </p:nvGrpSpPr>
+        <p:grpSpPr>
+          <a:xfrm>
+            <a:off x="7716912" y="4829341"/>
+            <a:ext cx="1695633" cy="1622442"/>
+            <a:chOff x="7528264" y="577009"/>
+            <a:chExt cx="2583402" cy="1622442"/>
+          </a:xfrm>
+          <a:solidFill>
+            <a:schemeClr val="bg1">
+              <a:lumMod val="95000"/>
+            </a:schemeClr>
+          </a:solidFill>
+        </p:grpSpPr>
+        <p:sp>
+          <p:nvSpPr>
+            <p:cNvPr id="40" name="Rectangle 39"/>
+            <p:cNvSpPr/>
+            <p:nvPr/>
+          </p:nvSpPr>
+          <p:spPr>
+            <a:xfrm>
+              <a:off x="7528264" y="577009"/>
+              <a:ext cx="2583402" cy="998796"/>
+            </a:xfrm>
+            <a:prstGeom prst="rect">
+              <a:avLst/>
+            </a:prstGeom>
+            <a:grpFill/>
+            <a:ln>
+              <a:solidFill>
+                <a:schemeClr val="tx1"/>
+              </a:solidFill>
+            </a:ln>
+          </p:spPr>
+          <p:style>
+            <a:lnRef idx="2">
+              <a:schemeClr val="accent1">
+                <a:shade val="50000"/>
+              </a:schemeClr>
+            </a:lnRef>
+            <a:fillRef idx="1">
+              <a:schemeClr val="accent1"/>
+            </a:fillRef>
+            <a:effectRef idx="0">
+              <a:schemeClr val="accent1"/>
+            </a:effectRef>
+            <a:fontRef idx="minor">
+              <a:schemeClr val="lt1"/>
+            </a:fontRef>
+          </p:style>
+          <p:txBody>
+            <a:bodyPr rtlCol="0" anchor="ctr"/>
+            <a:lstStyle/>
+            <a:p>
+              <a:pPr algn="ctr"/>
+              <a:r>
+                <a:rPr lang="en-US" dirty="0" smtClean="0">
+                  <a:solidFill>
+                    <a:schemeClr val="tx1"/>
+                  </a:solidFill>
+                </a:rPr>
+                <a:t>Village </a:t>
+              </a:r>
+              <a:r>
+                <a:rPr lang="en-US" dirty="0" smtClean="0">
+                  <a:solidFill>
+                    <a:schemeClr val="tx1"/>
+                  </a:solidFill>
+                </a:rPr>
+                <a:t>&lt;class</a:t>
+              </a:r>
+              <a:r>
+                <a:rPr lang="en-US" dirty="0" smtClean="0">
+                  <a:solidFill>
+                    <a:schemeClr val="tx1"/>
+                  </a:solidFill>
+                </a:rPr>
+                <a:t>&gt;</a:t>
+              </a:r>
+            </a:p>
+            <a:p>
+              <a:r>
+                <a:rPr lang="en-US" sz="1200" dirty="0" err="1" smtClean="0">
+                  <a:solidFill>
+                    <a:schemeClr val="tx1"/>
+                  </a:solidFill>
+                </a:rPr>
+                <a:t>Int</a:t>
+              </a:r>
+              <a:r>
+                <a:rPr lang="en-US" sz="1200" dirty="0" smtClean="0">
+                  <a:solidFill>
+                    <a:schemeClr val="tx1"/>
+                  </a:solidFill>
+                </a:rPr>
+                <a:t> price, cards, coins,</a:t>
+              </a:r>
+              <a:br>
+                <a:rPr lang="en-US" sz="1200" dirty="0" smtClean="0">
+                  <a:solidFill>
+                    <a:schemeClr val="tx1"/>
+                  </a:solidFill>
+                </a:rPr>
+              </a:br>
+              <a:r>
+                <a:rPr lang="en-US" sz="1200" dirty="0" smtClean="0">
+                  <a:solidFill>
+                    <a:schemeClr val="tx1"/>
+                  </a:solidFill>
+                </a:rPr>
+                <a:t>      actions, buys;</a:t>
+              </a:r>
+            </a:p>
+          </p:txBody>
+        </p:sp>
+        <p:sp>
+          <p:nvSpPr>
+            <p:cNvPr id="41" name="Rectangle 40"/>
+            <p:cNvSpPr/>
+            <p:nvPr/>
+          </p:nvSpPr>
+          <p:spPr>
+            <a:xfrm>
+              <a:off x="7528264" y="1575806"/>
+              <a:ext cx="2583402" cy="623645"/>
+            </a:xfrm>
+            <a:prstGeom prst="rect">
+              <a:avLst/>
+            </a:prstGeom>
+            <a:grpFill/>
+            <a:ln>
+              <a:solidFill>
+                <a:schemeClr val="tx1"/>
+              </a:solidFill>
+            </a:ln>
+          </p:spPr>
+          <p:style>
+            <a:lnRef idx="2">
+              <a:schemeClr val="accent1">
+                <a:shade val="50000"/>
+              </a:schemeClr>
+            </a:lnRef>
+            <a:fillRef idx="1">
+              <a:schemeClr val="accent1"/>
+            </a:fillRef>
+            <a:effectRef idx="0">
+              <a:schemeClr val="accent1"/>
+            </a:effectRef>
+            <a:fontRef idx="minor">
+              <a:schemeClr val="lt1"/>
+            </a:fontRef>
+          </p:style>
+          <p:txBody>
+            <a:bodyPr rtlCol="0" anchor="ctr"/>
+            <a:lstStyle/>
+            <a:p>
+              <a:r>
+                <a:rPr lang="en-US" sz="1200" dirty="0" smtClean="0">
+                  <a:solidFill>
+                    <a:schemeClr val="tx1"/>
+                  </a:solidFill>
+                </a:rPr>
+                <a:t>Inherited methods</a:t>
+              </a:r>
+            </a:p>
+          </p:txBody>
+        </p:sp>
+      </p:grpSp>
+      <p:grpSp>
+        <p:nvGrpSpPr>
+          <p:cNvPr id="51" name="Group 50"/>
+          <p:cNvGrpSpPr/>
+          <p:nvPr/>
+        </p:nvGrpSpPr>
+        <p:grpSpPr>
+          <a:xfrm>
+            <a:off x="9598978" y="4829341"/>
+            <a:ext cx="1695633" cy="1622442"/>
+            <a:chOff x="7528264" y="577009"/>
+            <a:chExt cx="2583402" cy="1622442"/>
+          </a:xfrm>
+          <a:solidFill>
+            <a:schemeClr val="bg1">
+              <a:lumMod val="95000"/>
+            </a:schemeClr>
+          </a:solidFill>
+        </p:grpSpPr>
+        <p:sp>
+          <p:nvSpPr>
+            <p:cNvPr id="52" name="Rectangle 51"/>
+            <p:cNvSpPr/>
+            <p:nvPr/>
+          </p:nvSpPr>
+          <p:spPr>
+            <a:xfrm>
+              <a:off x="7528264" y="577009"/>
+              <a:ext cx="2583402" cy="998796"/>
+            </a:xfrm>
+            <a:prstGeom prst="rect">
+              <a:avLst/>
+            </a:prstGeom>
+            <a:grpFill/>
+            <a:ln>
+              <a:solidFill>
+                <a:schemeClr val="tx1"/>
+              </a:solidFill>
+            </a:ln>
+          </p:spPr>
+          <p:style>
+            <a:lnRef idx="2">
+              <a:schemeClr val="accent1">
+                <a:shade val="50000"/>
+              </a:schemeClr>
+            </a:lnRef>
+            <a:fillRef idx="1">
+              <a:schemeClr val="accent1"/>
+            </a:fillRef>
+            <a:effectRef idx="0">
+              <a:schemeClr val="accent1"/>
+            </a:effectRef>
+            <a:fontRef idx="minor">
+              <a:schemeClr val="lt1"/>
+            </a:fontRef>
+          </p:style>
+          <p:txBody>
+            <a:bodyPr rtlCol="0" anchor="ctr"/>
+            <a:lstStyle/>
+            <a:p>
+              <a:pPr algn="ctr"/>
+              <a:r>
+                <a:rPr lang="en-US" dirty="0" smtClean="0">
+                  <a:solidFill>
+                    <a:schemeClr val="tx1"/>
+                  </a:solidFill>
+                </a:rPr>
+                <a:t>Market </a:t>
+              </a:r>
+              <a:r>
+                <a:rPr lang="en-US" dirty="0" smtClean="0">
+                  <a:solidFill>
+                    <a:schemeClr val="tx1"/>
+                  </a:solidFill>
+                </a:rPr>
+                <a:t>&lt;class</a:t>
+              </a:r>
+              <a:r>
+                <a:rPr lang="en-US" dirty="0" smtClean="0">
+                  <a:solidFill>
+                    <a:schemeClr val="tx1"/>
+                  </a:solidFill>
+                </a:rPr>
+                <a:t>&gt;</a:t>
+              </a:r>
+            </a:p>
+            <a:p>
+              <a:r>
+                <a:rPr lang="en-US" sz="1200" dirty="0" err="1" smtClean="0">
+                  <a:solidFill>
+                    <a:schemeClr val="tx1"/>
+                  </a:solidFill>
+                </a:rPr>
+                <a:t>Int</a:t>
+              </a:r>
+              <a:r>
+                <a:rPr lang="en-US" sz="1200" dirty="0" smtClean="0">
+                  <a:solidFill>
+                    <a:schemeClr val="tx1"/>
+                  </a:solidFill>
+                </a:rPr>
+                <a:t> price, cards, coins,</a:t>
+              </a:r>
+              <a:br>
+                <a:rPr lang="en-US" sz="1200" dirty="0" smtClean="0">
+                  <a:solidFill>
+                    <a:schemeClr val="tx1"/>
+                  </a:solidFill>
+                </a:rPr>
+              </a:br>
+              <a:r>
+                <a:rPr lang="en-US" sz="1200" dirty="0" smtClean="0">
+                  <a:solidFill>
+                    <a:schemeClr val="tx1"/>
+                  </a:solidFill>
+                </a:rPr>
+                <a:t>      actions, buys;</a:t>
+              </a:r>
+            </a:p>
+          </p:txBody>
+        </p:sp>
+        <p:sp>
+          <p:nvSpPr>
+            <p:cNvPr id="53" name="Rectangle 52"/>
+            <p:cNvSpPr/>
+            <p:nvPr/>
+          </p:nvSpPr>
+          <p:spPr>
+            <a:xfrm>
+              <a:off x="7528264" y="1575806"/>
+              <a:ext cx="2583402" cy="623645"/>
+            </a:xfrm>
+            <a:prstGeom prst="rect">
+              <a:avLst/>
+            </a:prstGeom>
+            <a:grpFill/>
+            <a:ln>
+              <a:solidFill>
+                <a:schemeClr val="tx1"/>
+              </a:solidFill>
+            </a:ln>
+          </p:spPr>
+          <p:style>
+            <a:lnRef idx="2">
+              <a:schemeClr val="accent1">
+                <a:shade val="50000"/>
+              </a:schemeClr>
+            </a:lnRef>
+            <a:fillRef idx="1">
+              <a:schemeClr val="accent1"/>
+            </a:fillRef>
+            <a:effectRef idx="0">
+              <a:schemeClr val="accent1"/>
+            </a:effectRef>
+            <a:fontRef idx="minor">
+              <a:schemeClr val="lt1"/>
+            </a:fontRef>
+          </p:style>
+          <p:txBody>
+            <a:bodyPr rtlCol="0" anchor="ctr"/>
+            <a:lstStyle/>
+            <a:p>
+              <a:r>
+                <a:rPr lang="en-US" sz="1200" dirty="0" smtClean="0">
+                  <a:solidFill>
+                    <a:schemeClr val="tx1"/>
+                  </a:solidFill>
+                </a:rPr>
+                <a:t>Inherited methods</a:t>
+              </a:r>
+            </a:p>
+          </p:txBody>
+        </p:sp>
+      </p:grpSp>
+      <p:sp>
+        <p:nvSpPr>
+          <p:cNvPr id="54" name="Isosceles Triangle 53"/>
+          <p:cNvSpPr/>
+          <p:nvPr/>
+        </p:nvSpPr>
+        <p:spPr>
+          <a:xfrm rot="10800000">
+            <a:off x="8426217" y="4620525"/>
+            <a:ext cx="277022" cy="235180"/>
+          </a:xfrm>
+          <a:prstGeom prst="triangle">
+            <a:avLst/>
+          </a:prstGeom>
+          <a:solidFill>
+            <a:schemeClr val="bg1"/>
+          </a:solidFill>
+          <a:ln>
+            <a:solidFill>
+              <a:schemeClr val="tx1"/>
+            </a:solidFill>
+          </a:ln>
+        </p:spPr>
+        <p:style>
+          <a:lnRef idx="2">
+            <a:schemeClr val="accent1">
+              <a:shade val="50000"/>
+            </a:schemeClr>
+          </a:lnRef>
+          <a:fillRef idx="1">
+            <a:schemeClr val="accent1"/>
+          </a:fillRef>
+          <a:effectRef idx="0">
+            <a:schemeClr val="accent1"/>
+          </a:effectRef>
+          <a:fontRef idx="minor">
+            <a:schemeClr val="lt1"/>
+          </a:fontRef>
+        </p:style>
+        <p:txBody>
+          <a:bodyPr rtlCol="0" anchor="ctr"/>
+          <a:lstStyle/>
+          <a:p>
+            <a:pPr algn="ctr"/>
+            <a:endParaRPr lang="en-US"/>
+          </a:p>
+        </p:txBody>
+      </p:sp>
+      <p:sp>
+        <p:nvSpPr>
+          <p:cNvPr id="55" name="Isosceles Triangle 54"/>
+          <p:cNvSpPr/>
+          <p:nvPr/>
+        </p:nvSpPr>
+        <p:spPr>
+          <a:xfrm rot="10800000">
+            <a:off x="10308283" y="4620526"/>
+            <a:ext cx="277022" cy="235180"/>
+          </a:xfrm>
+          <a:prstGeom prst="triangle">
+            <a:avLst/>
+          </a:prstGeom>
+          <a:solidFill>
+            <a:schemeClr val="bg1"/>
+          </a:solidFill>
+          <a:ln>
+            <a:solidFill>
+              <a:schemeClr val="tx1"/>
+            </a:solidFill>
+          </a:ln>
+        </p:spPr>
+        <p:style>
+          <a:lnRef idx="2">
+            <a:schemeClr val="accent1">
+              <a:shade val="50000"/>
+            </a:schemeClr>
+          </a:lnRef>
+          <a:fillRef idx="1">
+            <a:schemeClr val="accent1"/>
+          </a:fillRef>
+          <a:effectRef idx="0">
+            <a:schemeClr val="accent1"/>
+          </a:effectRef>
+          <a:fontRef idx="minor">
+            <a:schemeClr val="lt1"/>
+          </a:fontRef>
+        </p:style>
+        <p:txBody>
+          <a:bodyPr rtlCol="0" anchor="ctr"/>
+          <a:lstStyle/>
+          <a:p>
+            <a:pPr algn="ctr"/>
+            <a:endParaRPr lang="en-US"/>
+          </a:p>
+        </p:txBody>
+      </p:sp>
+      <p:cxnSp>
+        <p:nvCxnSpPr>
+          <p:cNvPr id="11" name="Elbow Connector 10"/>
+          <p:cNvCxnSpPr>
+            <a:stCxn id="47" idx="2"/>
+            <a:endCxn id="54" idx="3"/>
+          </p:cNvCxnSpPr>
+          <p:nvPr/>
+        </p:nvCxnSpPr>
+        <p:spPr>
+          <a:xfrm rot="5400000">
+            <a:off x="8845653" y="3955975"/>
+            <a:ext cx="383625" cy="945474"/>
+          </a:xfrm>
+          <a:prstGeom prst="bentConnector3">
+            <a:avLst/>
+          </a:prstGeom>
+          <a:ln>
+            <a:solidFill>
+              <a:schemeClr val="tx1"/>
+            </a:solidFill>
+          </a:ln>
+        </p:spPr>
+        <p:style>
+          <a:lnRef idx="1">
+            <a:schemeClr val="accent1"/>
+          </a:lnRef>
+          <a:fillRef idx="0">
+            <a:schemeClr val="accent1"/>
+          </a:fillRef>
+          <a:effectRef idx="0">
+            <a:schemeClr val="accent1"/>
+          </a:effectRef>
+          <a:fontRef idx="minor">
+            <a:schemeClr val="tx1"/>
+          </a:fontRef>
+        </p:style>
+      </p:cxnSp>
+      <p:cxnSp>
+        <p:nvCxnSpPr>
+          <p:cNvPr id="22" name="Elbow Connector 21"/>
+          <p:cNvCxnSpPr>
+            <a:stCxn id="47" idx="2"/>
+            <a:endCxn id="55" idx="3"/>
+          </p:cNvCxnSpPr>
+          <p:nvPr/>
+        </p:nvCxnSpPr>
+        <p:spPr>
+          <a:xfrm rot="16200000" flipH="1">
+            <a:off x="9786685" y="3960417"/>
+            <a:ext cx="383626" cy="936592"/>
+          </a:xfrm>
+          <a:prstGeom prst="bentConnector3">
+            <a:avLst/>
           </a:prstGeom>
           <a:ln>
             <a:solidFill>
